--- a/Program_Examples/SXtal_Diffractometry/Figures-FlatCone.pptx
+++ b/Program_Examples/SXtal_Diffractometry/Figures-FlatCone.pptx
@@ -6,9 +6,10 @@
   </p:sldMasterIdLst>
   <p:sldIdLst>
     <p:sldId id="256" r:id="rId2"/>
-    <p:sldId id="258" r:id="rId3"/>
-    <p:sldId id="257" r:id="rId4"/>
-    <p:sldId id="259" r:id="rId5"/>
+    <p:sldId id="260" r:id="rId3"/>
+    <p:sldId id="258" r:id="rId4"/>
+    <p:sldId id="257" r:id="rId5"/>
+    <p:sldId id="259" r:id="rId6"/>
   </p:sldIdLst>
   <p:sldSz cx="9144000" cy="6858000" type="screen4x3"/>
   <p:notesSz cx="6858000" cy="9144000"/>
@@ -292,7 +293,7 @@
             <a:fld id="{A4DCECDD-EF45-48CF-A950-52D7DD716341}" type="datetimeFigureOut">
               <a:rPr lang="en-US" smtClean="0"/>
               <a:pPr/>
-              <a:t>3/8/2013</a:t>
+              <a:t>4/29/2013</a:t>
             </a:fld>
             <a:endParaRPr lang="en-US"/>
           </a:p>
@@ -459,7 +460,7 @@
             <a:fld id="{A4DCECDD-EF45-48CF-A950-52D7DD716341}" type="datetimeFigureOut">
               <a:rPr lang="en-US" smtClean="0"/>
               <a:pPr/>
-              <a:t>3/8/2013</a:t>
+              <a:t>4/29/2013</a:t>
             </a:fld>
             <a:endParaRPr lang="en-US"/>
           </a:p>
@@ -636,7 +637,7 @@
             <a:fld id="{A4DCECDD-EF45-48CF-A950-52D7DD716341}" type="datetimeFigureOut">
               <a:rPr lang="en-US" smtClean="0"/>
               <a:pPr/>
-              <a:t>3/8/2013</a:t>
+              <a:t>4/29/2013</a:t>
             </a:fld>
             <a:endParaRPr lang="en-US"/>
           </a:p>
@@ -803,7 +804,7 @@
             <a:fld id="{A4DCECDD-EF45-48CF-A950-52D7DD716341}" type="datetimeFigureOut">
               <a:rPr lang="en-US" smtClean="0"/>
               <a:pPr/>
-              <a:t>3/8/2013</a:t>
+              <a:t>4/29/2013</a:t>
             </a:fld>
             <a:endParaRPr lang="en-US"/>
           </a:p>
@@ -1046,7 +1047,7 @@
             <a:fld id="{A4DCECDD-EF45-48CF-A950-52D7DD716341}" type="datetimeFigureOut">
               <a:rPr lang="en-US" smtClean="0"/>
               <a:pPr/>
-              <a:t>3/8/2013</a:t>
+              <a:t>4/29/2013</a:t>
             </a:fld>
             <a:endParaRPr lang="en-US"/>
           </a:p>
@@ -1331,7 +1332,7 @@
             <a:fld id="{A4DCECDD-EF45-48CF-A950-52D7DD716341}" type="datetimeFigureOut">
               <a:rPr lang="en-US" smtClean="0"/>
               <a:pPr/>
-              <a:t>3/8/2013</a:t>
+              <a:t>4/29/2013</a:t>
             </a:fld>
             <a:endParaRPr lang="en-US"/>
           </a:p>
@@ -1750,7 +1751,7 @@
             <a:fld id="{A4DCECDD-EF45-48CF-A950-52D7DD716341}" type="datetimeFigureOut">
               <a:rPr lang="en-US" smtClean="0"/>
               <a:pPr/>
-              <a:t>3/8/2013</a:t>
+              <a:t>4/29/2013</a:t>
             </a:fld>
             <a:endParaRPr lang="en-US"/>
           </a:p>
@@ -1865,7 +1866,7 @@
             <a:fld id="{A4DCECDD-EF45-48CF-A950-52D7DD716341}" type="datetimeFigureOut">
               <a:rPr lang="en-US" smtClean="0"/>
               <a:pPr/>
-              <a:t>3/8/2013</a:t>
+              <a:t>4/29/2013</a:t>
             </a:fld>
             <a:endParaRPr lang="en-US"/>
           </a:p>
@@ -1957,7 +1958,7 @@
             <a:fld id="{A4DCECDD-EF45-48CF-A950-52D7DD716341}" type="datetimeFigureOut">
               <a:rPr lang="en-US" smtClean="0"/>
               <a:pPr/>
-              <a:t>3/8/2013</a:t>
+              <a:t>4/29/2013</a:t>
             </a:fld>
             <a:endParaRPr lang="en-US"/>
           </a:p>
@@ -2231,7 +2232,7 @@
             <a:fld id="{A4DCECDD-EF45-48CF-A950-52D7DD716341}" type="datetimeFigureOut">
               <a:rPr lang="en-US" smtClean="0"/>
               <a:pPr/>
-              <a:t>3/8/2013</a:t>
+              <a:t>4/29/2013</a:t>
             </a:fld>
             <a:endParaRPr lang="en-US"/>
           </a:p>
@@ -2481,7 +2482,7 @@
             <a:fld id="{A4DCECDD-EF45-48CF-A950-52D7DD716341}" type="datetimeFigureOut">
               <a:rPr lang="en-US" smtClean="0"/>
               <a:pPr/>
-              <a:t>3/8/2013</a:t>
+              <a:t>4/29/2013</a:t>
             </a:fld>
             <a:endParaRPr lang="en-US"/>
           </a:p>
@@ -2691,7 +2692,7 @@
             <a:fld id="{A4DCECDD-EF45-48CF-A950-52D7DD716341}" type="datetimeFigureOut">
               <a:rPr lang="en-US" smtClean="0"/>
               <a:pPr/>
-              <a:t>3/8/2013</a:t>
+              <a:t>4/29/2013</a:t>
             </a:fld>
             <a:endParaRPr lang="en-US"/>
           </a:p>
@@ -3119,6 +3120,126 @@
       </p:grpSpPr>
       <p:grpSp>
         <p:nvGrpSpPr>
+          <p:cNvPr id="5" name="Group 4"/>
+          <p:cNvGrpSpPr/>
+          <p:nvPr/>
+        </p:nvGrpSpPr>
+        <p:grpSpPr>
+          <a:xfrm>
+            <a:off x="1147763" y="376238"/>
+            <a:ext cx="6848475" cy="6105525"/>
+            <a:chOff x="1147763" y="376238"/>
+            <a:chExt cx="6848475" cy="6105525"/>
+          </a:xfrm>
+        </p:grpSpPr>
+        <p:pic>
+          <p:nvPicPr>
+            <p:cNvPr id="1026" name="Picture 2"/>
+            <p:cNvPicPr>
+              <a:picLocks noChangeAspect="1" noChangeArrowheads="1"/>
+            </p:cNvPicPr>
+            <p:nvPr/>
+          </p:nvPicPr>
+          <p:blipFill>
+            <a:blip r:embed="rId2"/>
+            <a:srcRect/>
+            <a:stretch>
+              <a:fillRect/>
+            </a:stretch>
+          </p:blipFill>
+          <p:spPr bwMode="auto">
+            <a:xfrm>
+              <a:off x="1147763" y="376238"/>
+              <a:ext cx="6848475" cy="6105525"/>
+            </a:xfrm>
+            <a:prstGeom prst="rect">
+              <a:avLst/>
+            </a:prstGeom>
+            <a:noFill/>
+            <a:ln w="9525">
+              <a:noFill/>
+              <a:miter lim="800000"/>
+              <a:headEnd/>
+              <a:tailEnd/>
+            </a:ln>
+          </p:spPr>
+        </p:pic>
+        <p:sp>
+          <p:nvSpPr>
+            <p:cNvPr id="4" name="Block Arc 3"/>
+            <p:cNvSpPr/>
+            <p:nvPr/>
+          </p:nvSpPr>
+          <p:spPr>
+            <a:xfrm rot="239044">
+              <a:off x="1561780" y="464484"/>
+              <a:ext cx="6172842" cy="5689116"/>
+            </a:xfrm>
+            <a:prstGeom prst="blockArc">
+              <a:avLst>
+                <a:gd name="adj1" fmla="val 13480017"/>
+                <a:gd name="adj2" fmla="val 86742"/>
+                <a:gd name="adj3" fmla="val 7891"/>
+              </a:avLst>
+            </a:prstGeom>
+          </p:spPr>
+          <p:style>
+            <a:lnRef idx="2">
+              <a:schemeClr val="accent1">
+                <a:shade val="50000"/>
+              </a:schemeClr>
+            </a:lnRef>
+            <a:fillRef idx="1">
+              <a:schemeClr val="accent1"/>
+            </a:fillRef>
+            <a:effectRef idx="0">
+              <a:schemeClr val="accent1"/>
+            </a:effectRef>
+            <a:fontRef idx="minor">
+              <a:schemeClr val="lt1"/>
+            </a:fontRef>
+          </p:style>
+          <p:txBody>
+            <a:bodyPr rtlCol="0" anchor="ctr"/>
+            <a:lstStyle/>
+            <a:p>
+              <a:pPr algn="ctr"/>
+              <a:endParaRPr lang="en-GB">
+                <a:solidFill>
+                  <a:schemeClr val="tx1"/>
+                </a:solidFill>
+              </a:endParaRPr>
+            </a:p>
+          </p:txBody>
+        </p:sp>
+      </p:grpSp>
+    </p:spTree>
+  </p:cSld>
+  <p:clrMapOvr>
+    <a:masterClrMapping/>
+  </p:clrMapOvr>
+</p:sld>
+</file>
+
+<file path=ppt/slides/slide3.xml><?xml version="1.0" encoding="utf-8"?>
+<p:sld xmlns:a="http://schemas.openxmlformats.org/drawingml/2006/main" xmlns:r="http://schemas.openxmlformats.org/officeDocument/2006/relationships" xmlns:p="http://schemas.openxmlformats.org/presentationml/2006/main">
+  <p:cSld>
+    <p:spTree>
+      <p:nvGrpSpPr>
+        <p:cNvPr id="1" name=""/>
+        <p:cNvGrpSpPr/>
+        <p:nvPr/>
+      </p:nvGrpSpPr>
+      <p:grpSpPr>
+        <a:xfrm>
+          <a:off x="0" y="0"/>
+          <a:ext cx="0" cy="0"/>
+          <a:chOff x="0" y="0"/>
+          <a:chExt cx="0" cy="0"/>
+        </a:xfrm>
+      </p:grpSpPr>
+      <p:grpSp>
+        <p:nvGrpSpPr>
           <p:cNvPr id="2" name="Group 41"/>
           <p:cNvGrpSpPr/>
           <p:nvPr/>
@@ -6372,7 +6493,7 @@
 </p:sld>
 </file>
 
-<file path=ppt/slides/slide3.xml><?xml version="1.0" encoding="utf-8"?>
+<file path=ppt/slides/slide4.xml><?xml version="1.0" encoding="utf-8"?>
 <p:sld xmlns:a="http://schemas.openxmlformats.org/drawingml/2006/main" xmlns:r="http://schemas.openxmlformats.org/officeDocument/2006/relationships" xmlns:p="http://schemas.openxmlformats.org/presentationml/2006/main">
   <p:cSld>
     <p:spTree>
@@ -6457,7 +6578,7 @@
 </p:sld>
 </file>
 
-<file path=ppt/slides/slide4.xml><?xml version="1.0" encoding="utf-8"?>
+<file path=ppt/slides/slide5.xml><?xml version="1.0" encoding="utf-8"?>
 <p:sld xmlns:a="http://schemas.openxmlformats.org/drawingml/2006/main" xmlns:r="http://schemas.openxmlformats.org/officeDocument/2006/relationships" xmlns:p="http://schemas.openxmlformats.org/presentationml/2006/main">
   <p:cSld>
     <p:spTree>
